--- a/src/prototype/arch.pptx
+++ b/src/prototype/arch.pptx
@@ -6127,8 +6127,8 @@
         </p:nvSpPr>
         <p:spPr>
           <a:xfrm>
-            <a:off x="5308412" y="2115558"/>
-            <a:ext cx="1260281" cy="430887"/>
+            <a:off x="5308412" y="1941822"/>
+            <a:ext cx="1260280" cy="600164"/>
           </a:xfrm>
           <a:prstGeom prst="rect">
             <a:avLst/>
@@ -6141,7 +6141,6 @@
           </a:bodyPr>
           <a:lstStyle/>
           <a:p>
-            <a:pPr algn="ctr"/>
             <a:r>
               <a:rPr lang="en-US" sz="1100" dirty="0" smtClean="0">
                 <a:latin typeface="Raleway" charset="0"/>
@@ -6152,7 +6151,6 @@
             </a:r>
           </a:p>
           <a:p>
-            <a:pPr algn="ctr"/>
             <a:r>
               <a:rPr lang="en-US" sz="1100" dirty="0" smtClean="0">
                 <a:latin typeface="Raleway" charset="0"/>
@@ -6161,6 +6159,29 @@
               </a:rPr>
               <a:t>query templates</a:t>
             </a:r>
+          </a:p>
+          <a:p>
+            <a:r>
+              <a:rPr lang="en-US" sz="1100" dirty="0" err="1">
+                <a:latin typeface="Raleway" charset="0"/>
+                <a:ea typeface="Raleway" charset="0"/>
+                <a:cs typeface="Raleway" charset="0"/>
+              </a:rPr>
+              <a:t>q</a:t>
+            </a:r>
+            <a:r>
+              <a:rPr lang="en-US" sz="1100" dirty="0" err="1" smtClean="0">
+                <a:latin typeface="Raleway" charset="0"/>
+                <a:ea typeface="Raleway" charset="0"/>
+                <a:cs typeface="Raleway" charset="0"/>
+              </a:rPr>
+              <a:t>uery.js</a:t>
+            </a:r>
+            <a:endParaRPr lang="en-US" sz="1100" dirty="0" smtClean="0">
+              <a:latin typeface="Raleway" charset="0"/>
+              <a:ea typeface="Raleway" charset="0"/>
+              <a:cs typeface="Raleway" charset="0"/>
+            </a:endParaRPr>
           </a:p>
         </p:txBody>
       </p:sp>
@@ -6210,8 +6231,8 @@
         </p:nvSpPr>
         <p:spPr>
           <a:xfrm>
-            <a:off x="2011000" y="2115558"/>
-            <a:ext cx="1279517" cy="430887"/>
+            <a:off x="2011000" y="1941822"/>
+            <a:ext cx="1279517" cy="600164"/>
           </a:xfrm>
           <a:prstGeom prst="rect">
             <a:avLst/>
@@ -6242,6 +6263,29 @@
               </a:rPr>
               <a:t>Query templates</a:t>
             </a:r>
+          </a:p>
+          <a:p>
+            <a:r>
+              <a:rPr lang="en-US" sz="1100" dirty="0" err="1">
+                <a:latin typeface="Raleway" charset="0"/>
+                <a:ea typeface="Raleway" charset="0"/>
+                <a:cs typeface="Raleway" charset="0"/>
+              </a:rPr>
+              <a:t>q</a:t>
+            </a:r>
+            <a:r>
+              <a:rPr lang="en-US" sz="1100" dirty="0" err="1" smtClean="0">
+                <a:latin typeface="Raleway" charset="0"/>
+                <a:ea typeface="Raleway" charset="0"/>
+                <a:cs typeface="Raleway" charset="0"/>
+              </a:rPr>
+              <a:t>uery.s</a:t>
+            </a:r>
+            <a:endParaRPr lang="en-US" sz="1100" dirty="0" smtClean="0">
+              <a:latin typeface="Raleway" charset="0"/>
+              <a:ea typeface="Raleway" charset="0"/>
+              <a:cs typeface="Raleway" charset="0"/>
+            </a:endParaRPr>
           </a:p>
         </p:txBody>
       </p:sp>
